--- a/pictures/New Microsoft PowerPoint Presentation.pptx
+++ b/pictures/New Microsoft PowerPoint Presentation.pptx
@@ -105,6 +105,11 @@
       </a:defRPr>
     </a:lvl9pPr>
   </p:defaultTextStyle>
+  <p:extLst>
+    <p:ext uri="{EFAFB233-063F-42B5-8137-9DF3F51BA10A}">
+      <p15:sldGuideLst xmlns:p15="http://schemas.microsoft.com/office/powerpoint/2012/main"/>
+    </p:ext>
+  </p:extLst>
 </p:presentation>
 </file>
 
@@ -3395,10 +3400,10 @@
       </p:sp>
       <p:grpSp>
         <p:nvGrpSpPr>
-          <p:cNvPr id="7" name="Group 6">
-            <a:extLst>
-              <a:ext uri="{FF2B5EF4-FFF2-40B4-BE49-F238E27FC236}">
-                <a16:creationId xmlns:a16="http://schemas.microsoft.com/office/drawing/2014/main" id="{902CA0E6-E312-4D39-8218-E7EB6E359416}"/>
+          <p:cNvPr id="4" name="Group 3">
+            <a:extLst>
+              <a:ext uri="{FF2B5EF4-FFF2-40B4-BE49-F238E27FC236}">
+                <a16:creationId xmlns:a16="http://schemas.microsoft.com/office/drawing/2014/main" id="{4FAE4CC1-23EA-4F81-A1A9-8276F7A3065C}"/>
               </a:ext>
             </a:extLst>
           </p:cNvPr>
@@ -3407,10 +3412,10 @@
         </p:nvGrpSpPr>
         <p:grpSpPr>
           <a:xfrm>
-            <a:off x="1719935" y="642049"/>
-            <a:ext cx="8703428" cy="5093588"/>
-            <a:chOff x="1719935" y="642049"/>
-            <a:chExt cx="8703428" cy="5093588"/>
+            <a:off x="1623527" y="559773"/>
+            <a:ext cx="9044473" cy="5175864"/>
+            <a:chOff x="1623527" y="559773"/>
+            <a:chExt cx="9044473" cy="5175864"/>
           </a:xfrm>
         </p:grpSpPr>
         <p:pic>
@@ -3451,10 +3456,10 @@
         </p:pic>
         <p:sp>
           <p:nvSpPr>
-            <p:cNvPr id="6" name="TextBox 5">
+            <p:cNvPr id="8" name="TextBox 7">
               <a:extLst>
                 <a:ext uri="{FF2B5EF4-FFF2-40B4-BE49-F238E27FC236}">
-                  <a16:creationId xmlns:a16="http://schemas.microsoft.com/office/drawing/2014/main" id="{C9714B7F-CE0B-49C0-95C2-2326DD3E2BB4}"/>
+                  <a16:creationId xmlns:a16="http://schemas.microsoft.com/office/drawing/2014/main" id="{4C691EC7-C260-415A-B0B9-CDDBB8EA684B}"/>
                 </a:ext>
               </a:extLst>
             </p:cNvPr>
@@ -3463,8 +3468,8 @@
           </p:nvSpPr>
           <p:spPr>
             <a:xfrm>
-              <a:off x="4040155" y="642049"/>
-              <a:ext cx="4039824" cy="369332"/>
+              <a:off x="1623527" y="559773"/>
+              <a:ext cx="9044473" cy="369332"/>
             </a:xfrm>
             <a:prstGeom prst="rect">
               <a:avLst/>
@@ -3474,11 +3479,12 @@
             </a:solidFill>
           </p:spPr>
           <p:txBody>
-            <a:bodyPr wrap="none" rtlCol="0">
+            <a:bodyPr wrap="square" rtlCol="0">
               <a:spAutoFit/>
             </a:bodyPr>
             <a:lstStyle/>
             <a:p>
+              <a:pPr algn="ctr"/>
               <a:r>
                 <a:rPr lang="en-GB"/>
                 <a:t>Histograms (after Boxcox transformation)</a:t>
@@ -3531,10 +3537,10 @@
         </p:nvGrpSpPr>
         <p:grpSpPr>
           <a:xfrm>
-            <a:off x="1542654" y="1107619"/>
-            <a:ext cx="8229616" cy="4849981"/>
-            <a:chOff x="1542654" y="1107619"/>
-            <a:chExt cx="8229616" cy="4849981"/>
+            <a:off x="1464906" y="1088958"/>
+            <a:ext cx="8307364" cy="4868642"/>
+            <a:chOff x="1464906" y="1088958"/>
+            <a:chExt cx="8307364" cy="4868642"/>
           </a:xfrm>
         </p:grpSpPr>
         <p:pic>
@@ -3587,8 +3593,8 @@
           </p:nvSpPr>
           <p:spPr>
             <a:xfrm>
-              <a:off x="3844213" y="1107619"/>
-              <a:ext cx="3769568" cy="369332"/>
+              <a:off x="1464906" y="1088958"/>
+              <a:ext cx="8229616" cy="369332"/>
             </a:xfrm>
             <a:prstGeom prst="rect">
               <a:avLst/>

--- a/pictures/New Microsoft PowerPoint Presentation.pptx
+++ b/pictures/New Microsoft PowerPoint Presentation.pptx
@@ -7,6 +7,7 @@
   <p:sldIdLst>
     <p:sldId id="256" r:id="rId2"/>
     <p:sldId id="257" r:id="rId3"/>
+    <p:sldId id="258" r:id="rId4"/>
   </p:sldIdLst>
   <p:sldSz cx="12192000" cy="6858000"/>
   <p:notesSz cx="6858000" cy="9144000"/>
@@ -3631,6 +3632,237 @@
 </p:sld>
 </file>
 
+<file path=ppt/slides/slide3.xml><?xml version="1.0" encoding="utf-8"?>
+<p:sld xmlns:a="http://schemas.openxmlformats.org/drawingml/2006/main" xmlns:r="http://schemas.openxmlformats.org/officeDocument/2006/relationships" xmlns:p="http://schemas.openxmlformats.org/presentationml/2006/main">
+  <p:cSld>
+    <p:spTree>
+      <p:nvGrpSpPr>
+        <p:cNvPr id="1" name=""/>
+        <p:cNvGrpSpPr/>
+        <p:nvPr/>
+      </p:nvGrpSpPr>
+      <p:grpSpPr>
+        <a:xfrm>
+          <a:off x="0" y="0"/>
+          <a:ext cx="0" cy="0"/>
+          <a:chOff x="0" y="0"/>
+          <a:chExt cx="0" cy="0"/>
+        </a:xfrm>
+      </p:grpSpPr>
+      <p:grpSp>
+        <p:nvGrpSpPr>
+          <p:cNvPr id="12" name="Group 11">
+            <a:extLst>
+              <a:ext uri="{FF2B5EF4-FFF2-40B4-BE49-F238E27FC236}">
+                <a16:creationId xmlns:a16="http://schemas.microsoft.com/office/drawing/2014/main" id="{7E2007A9-DC37-455C-B6B5-A63495E2E632}"/>
+              </a:ext>
+            </a:extLst>
+          </p:cNvPr>
+          <p:cNvGrpSpPr/>
+          <p:nvPr/>
+        </p:nvGrpSpPr>
+        <p:grpSpPr>
+          <a:xfrm>
+            <a:off x="3590161" y="884873"/>
+            <a:ext cx="4264747" cy="5381970"/>
+            <a:chOff x="7126463" y="1202113"/>
+            <a:chExt cx="4264747" cy="5381970"/>
+          </a:xfrm>
+        </p:grpSpPr>
+        <p:pic>
+          <p:nvPicPr>
+            <p:cNvPr id="6" name="Picture 5">
+              <a:extLst>
+                <a:ext uri="{FF2B5EF4-FFF2-40B4-BE49-F238E27FC236}">
+                  <a16:creationId xmlns:a16="http://schemas.microsoft.com/office/drawing/2014/main" id="{7CB3AE93-E88F-4FE9-9491-D00199EDF0F1}"/>
+                </a:ext>
+              </a:extLst>
+            </p:cNvPr>
+            <p:cNvPicPr>
+              <a:picLocks noChangeAspect="1"/>
+            </p:cNvPicPr>
+            <p:nvPr/>
+          </p:nvPicPr>
+          <p:blipFill>
+            <a:blip r:embed="rId2"/>
+            <a:stretch>
+              <a:fillRect/>
+            </a:stretch>
+          </p:blipFill>
+          <p:spPr>
+            <a:xfrm>
+              <a:off x="7126463" y="1202113"/>
+              <a:ext cx="2166826" cy="1783202"/>
+            </a:xfrm>
+            <a:prstGeom prst="rect">
+              <a:avLst/>
+            </a:prstGeom>
+          </p:spPr>
+        </p:pic>
+        <p:pic>
+          <p:nvPicPr>
+            <p:cNvPr id="7" name="Picture 6">
+              <a:extLst>
+                <a:ext uri="{FF2B5EF4-FFF2-40B4-BE49-F238E27FC236}">
+                  <a16:creationId xmlns:a16="http://schemas.microsoft.com/office/drawing/2014/main" id="{7AFCCD71-CDFD-4114-A644-C773140ADE9F}"/>
+                </a:ext>
+              </a:extLst>
+            </p:cNvPr>
+            <p:cNvPicPr>
+              <a:picLocks noChangeAspect="1"/>
+            </p:cNvPicPr>
+            <p:nvPr/>
+          </p:nvPicPr>
+          <p:blipFill>
+            <a:blip r:embed="rId3"/>
+            <a:stretch>
+              <a:fillRect/>
+            </a:stretch>
+          </p:blipFill>
+          <p:spPr>
+            <a:xfrm>
+              <a:off x="7126463" y="2985315"/>
+              <a:ext cx="2166826" cy="1753780"/>
+            </a:xfrm>
+            <a:prstGeom prst="rect">
+              <a:avLst/>
+            </a:prstGeom>
+          </p:spPr>
+        </p:pic>
+        <p:pic>
+          <p:nvPicPr>
+            <p:cNvPr id="8" name="Picture 7">
+              <a:extLst>
+                <a:ext uri="{FF2B5EF4-FFF2-40B4-BE49-F238E27FC236}">
+                  <a16:creationId xmlns:a16="http://schemas.microsoft.com/office/drawing/2014/main" id="{53C4B6EA-BF8C-468F-B4C5-87AB1792E2B2}"/>
+                </a:ext>
+              </a:extLst>
+            </p:cNvPr>
+            <p:cNvPicPr>
+              <a:picLocks noChangeAspect="1"/>
+            </p:cNvPicPr>
+            <p:nvPr/>
+          </p:nvPicPr>
+          <p:blipFill>
+            <a:blip r:embed="rId4"/>
+            <a:stretch>
+              <a:fillRect/>
+            </a:stretch>
+          </p:blipFill>
+          <p:spPr>
+            <a:xfrm>
+              <a:off x="7200441" y="4739094"/>
+              <a:ext cx="2092847" cy="1818045"/>
+            </a:xfrm>
+            <a:prstGeom prst="rect">
+              <a:avLst/>
+            </a:prstGeom>
+          </p:spPr>
+        </p:pic>
+        <p:pic>
+          <p:nvPicPr>
+            <p:cNvPr id="9" name="Picture 8">
+              <a:extLst>
+                <a:ext uri="{FF2B5EF4-FFF2-40B4-BE49-F238E27FC236}">
+                  <a16:creationId xmlns:a16="http://schemas.microsoft.com/office/drawing/2014/main" id="{FB46D101-8E28-4127-84FC-CBEB24D001BA}"/>
+                </a:ext>
+              </a:extLst>
+            </p:cNvPr>
+            <p:cNvPicPr>
+              <a:picLocks noChangeAspect="1"/>
+            </p:cNvPicPr>
+            <p:nvPr/>
+          </p:nvPicPr>
+          <p:blipFill>
+            <a:blip r:embed="rId5"/>
+            <a:stretch>
+              <a:fillRect/>
+            </a:stretch>
+          </p:blipFill>
+          <p:spPr>
+            <a:xfrm>
+              <a:off x="9379709" y="1235297"/>
+              <a:ext cx="2011501" cy="1657193"/>
+            </a:xfrm>
+            <a:prstGeom prst="rect">
+              <a:avLst/>
+            </a:prstGeom>
+          </p:spPr>
+        </p:pic>
+        <p:pic>
+          <p:nvPicPr>
+            <p:cNvPr id="10" name="Picture 9">
+              <a:extLst>
+                <a:ext uri="{FF2B5EF4-FFF2-40B4-BE49-F238E27FC236}">
+                  <a16:creationId xmlns:a16="http://schemas.microsoft.com/office/drawing/2014/main" id="{D8C9DCFD-9723-42F8-A214-7C6645245295}"/>
+                </a:ext>
+              </a:extLst>
+            </p:cNvPr>
+            <p:cNvPicPr>
+              <a:picLocks noChangeAspect="1"/>
+            </p:cNvPicPr>
+            <p:nvPr/>
+          </p:nvPicPr>
+          <p:blipFill>
+            <a:blip r:embed="rId6"/>
+            <a:stretch>
+              <a:fillRect/>
+            </a:stretch>
+          </p:blipFill>
+          <p:spPr>
+            <a:xfrm>
+              <a:off x="9379708" y="2972213"/>
+              <a:ext cx="2011501" cy="1766881"/>
+            </a:xfrm>
+            <a:prstGeom prst="rect">
+              <a:avLst/>
+            </a:prstGeom>
+          </p:spPr>
+        </p:pic>
+        <p:pic>
+          <p:nvPicPr>
+            <p:cNvPr id="11" name="Picture 10">
+              <a:extLst>
+                <a:ext uri="{FF2B5EF4-FFF2-40B4-BE49-F238E27FC236}">
+                  <a16:creationId xmlns:a16="http://schemas.microsoft.com/office/drawing/2014/main" id="{0300077A-70D1-49CA-B39D-B0CDD7C124FE}"/>
+                </a:ext>
+              </a:extLst>
+            </p:cNvPr>
+            <p:cNvPicPr>
+              <a:picLocks noChangeAspect="1"/>
+            </p:cNvPicPr>
+            <p:nvPr/>
+          </p:nvPicPr>
+          <p:blipFill>
+            <a:blip r:embed="rId7"/>
+            <a:stretch>
+              <a:fillRect/>
+            </a:stretch>
+          </p:blipFill>
+          <p:spPr>
+            <a:xfrm>
+              <a:off x="9367266" y="4818817"/>
+              <a:ext cx="1986534" cy="1765266"/>
+            </a:xfrm>
+            <a:prstGeom prst="rect">
+              <a:avLst/>
+            </a:prstGeom>
+          </p:spPr>
+        </p:pic>
+      </p:grpSp>
+    </p:spTree>
+    <p:extLst>
+      <p:ext uri="{BB962C8B-B14F-4D97-AF65-F5344CB8AC3E}">
+        <p14:creationId xmlns:p14="http://schemas.microsoft.com/office/powerpoint/2010/main" val="333357166"/>
+      </p:ext>
+    </p:extLst>
+  </p:cSld>
+  <p:clrMapOvr>
+    <a:masterClrMapping/>
+  </p:clrMapOvr>
+</p:sld>
+</file>
+
 <file path=ppt/theme/theme1.xml><?xml version="1.0" encoding="utf-8"?>
 <a:theme xmlns:a="http://schemas.openxmlformats.org/drawingml/2006/main" name="Office Theme">
   <a:themeElements>
